--- a/docs/b2s_presentation.pptx
+++ b/docs/b2s_presentation.pptx
@@ -18342,7 +18342,11 @@
             </a:pPr>
             <a:r>
               <a:rPr lang="hu-HU"/>
-              <a:t>Input: neural feature, Output: predicted spectrogram</a:t>
+              <a:t>Input: neural feature, Output: predicted spectrogram (</a:t>
+            </a:r>
+            <a:r>
+              <a:rPr lang="hu-HU"/>
+              <a:t>⇒ spect2voice)</a:t>
             </a:r>
             <a:endParaRPr/>
           </a:p>

--- a/docs/b2s_presentation.pptx
+++ b/docs/b2s_presentation.pptx
@@ -16280,7 +16280,7 @@
         </p:spPr>
         <p:txBody>
           <a:bodyPr anchorCtr="0" anchor="t" bIns="45700" lIns="91425" spcFirstLastPara="1" rIns="91425" wrap="square" tIns="45700">
-            <a:normAutofit/>
+            <a:normAutofit lnSpcReduction="10000"/>
           </a:bodyPr>
           <a:lstStyle/>
           <a:p>
@@ -16318,7 +16318,14 @@
             </a:pPr>
             <a:r>
               <a:rPr lang="hu-HU"/>
-              <a:t>Author: Katica Bozsó</a:t>
+              <a:t>Team: Me, Myself and (A)I</a:t>
+            </a:r>
+            <a:br>
+              <a:rPr lang="hu-HU"/>
+            </a:br>
+            <a:r>
+              <a:rPr lang="hu-HU"/>
+              <a:t>– Katica Bozsó –</a:t>
             </a:r>
             <a:endParaRPr/>
           </a:p>
@@ -19926,6 +19933,285 @@
 </file>
 
 <file path=ppt/theme/theme1.xml><?xml version="1.0" encoding="utf-8"?>
+<a:theme xmlns:a="http://schemas.openxmlformats.org/drawingml/2006/main" xmlns:r="http://schemas.openxmlformats.org/officeDocument/2006/relationships" name="Bázis">
+  <a:themeElements>
+    <a:clrScheme name="Basis">
+      <a:dk1>
+        <a:srgbClr val="000000"/>
+      </a:dk1>
+      <a:lt1>
+        <a:srgbClr val="FFFFFF"/>
+      </a:lt1>
+      <a:dk2>
+        <a:srgbClr val="565349"/>
+      </a:dk2>
+      <a:lt2>
+        <a:srgbClr val="DDDDDD"/>
+      </a:lt2>
+      <a:accent1>
+        <a:srgbClr val="A6B727"/>
+      </a:accent1>
+      <a:accent2>
+        <a:srgbClr val="DF5327"/>
+      </a:accent2>
+      <a:accent3>
+        <a:srgbClr val="FE9E00"/>
+      </a:accent3>
+      <a:accent4>
+        <a:srgbClr val="418AB3"/>
+      </a:accent4>
+      <a:accent5>
+        <a:srgbClr val="D7D447"/>
+      </a:accent5>
+      <a:accent6>
+        <a:srgbClr val="818183"/>
+      </a:accent6>
+      <a:hlink>
+        <a:srgbClr val="F59E00"/>
+      </a:hlink>
+      <a:folHlink>
+        <a:srgbClr val="B2B2B2"/>
+      </a:folHlink>
+    </a:clrScheme>
+    <a:fontScheme name="Office">
+      <a:majorFont>
+        <a:latin typeface="Arial"/>
+        <a:ea typeface=""/>
+        <a:cs typeface=""/>
+        <a:font script="Jpan" typeface="ＭＳ Ｐゴシック"/>
+        <a:font script="Hang" typeface="맑은 고딕"/>
+        <a:font script="Hans" typeface="宋体"/>
+        <a:font script="Hant" typeface="新細明體"/>
+        <a:font script="Arab" typeface="Times New Roman"/>
+        <a:font script="Hebr" typeface="Times New Roman"/>
+        <a:font script="Thai" typeface="Angsana New"/>
+        <a:font script="Ethi" typeface="Nyala"/>
+        <a:font script="Beng" typeface="Vrinda"/>
+        <a:font script="Gujr" typeface="Shruti"/>
+        <a:font script="Khmr" typeface="MoolBoran"/>
+        <a:font script="Knda" typeface="Tunga"/>
+        <a:font script="Guru" typeface="Raavi"/>
+        <a:font script="Cans" typeface="Euphemia"/>
+        <a:font script="Cher" typeface="Plantagenet Cherokee"/>
+        <a:font script="Yiii" typeface="Microsoft Yi Baiti"/>
+        <a:font script="Tibt" typeface="Microsoft Himalaya"/>
+        <a:font script="Thaa" typeface="MV Boli"/>
+        <a:font script="Deva" typeface="Mangal"/>
+        <a:font script="Telu" typeface="Gautami"/>
+        <a:font script="Taml" typeface="Latha"/>
+        <a:font script="Syrc" typeface="Estrangelo Edessa"/>
+        <a:font script="Orya" typeface="Kalinga"/>
+        <a:font script="Mlym" typeface="Kartika"/>
+        <a:font script="Laoo" typeface="DokChampa"/>
+        <a:font script="Sinh" typeface="Iskoola Pota"/>
+        <a:font script="Mong" typeface="Mongolian Baiti"/>
+        <a:font script="Viet" typeface="Times New Roman"/>
+        <a:font script="Uigh" typeface="Microsoft Uighur"/>
+        <a:font script="Geor" typeface="Sylfaen"/>
+      </a:majorFont>
+      <a:minorFont>
+        <a:latin typeface="Arial"/>
+        <a:ea typeface=""/>
+        <a:cs typeface=""/>
+        <a:font script="Jpan" typeface="ＭＳ Ｐゴシック"/>
+        <a:font script="Hang" typeface="맑은 고딕"/>
+        <a:font script="Hans" typeface="宋体"/>
+        <a:font script="Hant" typeface="新細明體"/>
+        <a:font script="Arab" typeface="Arial"/>
+        <a:font script="Hebr" typeface="Arial"/>
+        <a:font script="Thai" typeface="Cordia New"/>
+        <a:font script="Ethi" typeface="Nyala"/>
+        <a:font script="Beng" typeface="Vrinda"/>
+        <a:font script="Gujr" typeface="Shruti"/>
+        <a:font script="Khmr" typeface="DaunPenh"/>
+        <a:font script="Knda" typeface="Tunga"/>
+        <a:font script="Guru" typeface="Raavi"/>
+        <a:font script="Cans" typeface="Euphemia"/>
+        <a:font script="Cher" typeface="Plantagenet Cherokee"/>
+        <a:font script="Yiii" typeface="Microsoft Yi Baiti"/>
+        <a:font script="Tibt" typeface="Microsoft Himalaya"/>
+        <a:font script="Thaa" typeface="MV Boli"/>
+        <a:font script="Deva" typeface="Mangal"/>
+        <a:font script="Telu" typeface="Gautami"/>
+        <a:font script="Taml" typeface="Latha"/>
+        <a:font script="Syrc" typeface="Estrangelo Edessa"/>
+        <a:font script="Orya" typeface="Kalinga"/>
+        <a:font script="Mlym" typeface="Kartika"/>
+        <a:font script="Laoo" typeface="DokChampa"/>
+        <a:font script="Sinh" typeface="Iskoola Pota"/>
+        <a:font script="Mong" typeface="Mongolian Baiti"/>
+        <a:font script="Viet" typeface="Arial"/>
+        <a:font script="Uigh" typeface="Microsoft Uighur"/>
+        <a:font script="Geor" typeface="Sylfaen"/>
+      </a:minorFont>
+    </a:fontScheme>
+    <a:fmtScheme name="Office">
+      <a:fillStyleLst>
+        <a:solidFill>
+          <a:schemeClr val="phClr"/>
+        </a:solidFill>
+        <a:gradFill rotWithShape="1">
+          <a:gsLst>
+            <a:gs pos="0">
+              <a:schemeClr val="phClr">
+                <a:tint val="50000"/>
+                <a:satMod val="300000"/>
+              </a:schemeClr>
+            </a:gs>
+            <a:gs pos="35000">
+              <a:schemeClr val="phClr">
+                <a:tint val="37000"/>
+                <a:satMod val="300000"/>
+              </a:schemeClr>
+            </a:gs>
+            <a:gs pos="100000">
+              <a:schemeClr val="phClr">
+                <a:tint val="15000"/>
+                <a:satMod val="350000"/>
+              </a:schemeClr>
+            </a:gs>
+          </a:gsLst>
+          <a:lin ang="16200000" scaled="1"/>
+        </a:gradFill>
+        <a:gradFill rotWithShape="1">
+          <a:gsLst>
+            <a:gs pos="0">
+              <a:schemeClr val="phClr">
+                <a:tint val="100000"/>
+                <a:shade val="100000"/>
+                <a:satMod val="130000"/>
+              </a:schemeClr>
+            </a:gs>
+            <a:gs pos="100000">
+              <a:schemeClr val="phClr">
+                <a:tint val="50000"/>
+                <a:shade val="100000"/>
+                <a:satMod val="350000"/>
+              </a:schemeClr>
+            </a:gs>
+          </a:gsLst>
+          <a:lin ang="16200000" scaled="0"/>
+        </a:gradFill>
+      </a:fillStyleLst>
+      <a:lnStyleLst>
+        <a:ln w="9525" cap="flat" cmpd="sng" algn="ctr">
+          <a:solidFill>
+            <a:schemeClr val="phClr">
+              <a:shade val="95000"/>
+              <a:satMod val="105000"/>
+            </a:schemeClr>
+          </a:solidFill>
+          <a:prstDash val="solid"/>
+        </a:ln>
+        <a:ln w="25400" cap="flat" cmpd="sng" algn="ctr">
+          <a:solidFill>
+            <a:schemeClr val="phClr"/>
+          </a:solidFill>
+          <a:prstDash val="solid"/>
+        </a:ln>
+        <a:ln w="38100" cap="flat" cmpd="sng" algn="ctr">
+          <a:solidFill>
+            <a:schemeClr val="phClr"/>
+          </a:solidFill>
+          <a:prstDash val="solid"/>
+        </a:ln>
+      </a:lnStyleLst>
+      <a:effectStyleLst>
+        <a:effectStyle>
+          <a:effectLst>
+            <a:outerShdw blurRad="40000" dist="20000" dir="5400000" rotWithShape="0">
+              <a:srgbClr val="000000">
+                <a:alpha val="38000"/>
+              </a:srgbClr>
+            </a:outerShdw>
+          </a:effectLst>
+        </a:effectStyle>
+        <a:effectStyle>
+          <a:effectLst>
+            <a:outerShdw blurRad="40000" dist="23000" dir="5400000" rotWithShape="0">
+              <a:srgbClr val="000000">
+                <a:alpha val="35000"/>
+              </a:srgbClr>
+            </a:outerShdw>
+          </a:effectLst>
+        </a:effectStyle>
+        <a:effectStyle>
+          <a:effectLst>
+            <a:outerShdw blurRad="40000" dist="23000" dir="5400000" rotWithShape="0">
+              <a:srgbClr val="000000">
+                <a:alpha val="35000"/>
+              </a:srgbClr>
+            </a:outerShdw>
+          </a:effectLst>
+          <a:scene3d>
+            <a:camera prst="orthographicFront">
+              <a:rot lat="0" lon="0" rev="0"/>
+            </a:camera>
+            <a:lightRig rig="threePt" dir="t">
+              <a:rot lat="0" lon="0" rev="1200000"/>
+            </a:lightRig>
+          </a:scene3d>
+          <a:sp3d>
+            <a:bevelT w="63500" h="25400"/>
+          </a:sp3d>
+        </a:effectStyle>
+      </a:effectStyleLst>
+      <a:bgFillStyleLst>
+        <a:solidFill>
+          <a:schemeClr val="phClr"/>
+        </a:solidFill>
+        <a:gradFill rotWithShape="1">
+          <a:gsLst>
+            <a:gs pos="0">
+              <a:schemeClr val="phClr">
+                <a:tint val="40000"/>
+                <a:satMod val="350000"/>
+              </a:schemeClr>
+            </a:gs>
+            <a:gs pos="40000">
+              <a:schemeClr val="phClr">
+                <a:tint val="45000"/>
+                <a:shade val="99000"/>
+                <a:satMod val="350000"/>
+              </a:schemeClr>
+            </a:gs>
+            <a:gs pos="100000">
+              <a:schemeClr val="phClr">
+                <a:shade val="20000"/>
+                <a:satMod val="255000"/>
+              </a:schemeClr>
+            </a:gs>
+          </a:gsLst>
+          <a:path path="circle">
+            <a:fillToRect l="50000" t="-80000" r="50000" b="180000"/>
+          </a:path>
+        </a:gradFill>
+        <a:gradFill rotWithShape="1">
+          <a:gsLst>
+            <a:gs pos="0">
+              <a:schemeClr val="phClr">
+                <a:tint val="80000"/>
+                <a:satMod val="300000"/>
+              </a:schemeClr>
+            </a:gs>
+            <a:gs pos="100000">
+              <a:schemeClr val="phClr">
+                <a:shade val="30000"/>
+                <a:satMod val="200000"/>
+              </a:schemeClr>
+            </a:gs>
+          </a:gsLst>
+          <a:path path="circle">
+            <a:fillToRect l="50000" t="50000" r="50000" b="50000"/>
+          </a:path>
+        </a:gradFill>
+      </a:bgFillStyleLst>
+    </a:fmtScheme>
+  </a:themeElements>
+</a:theme>
+</file>
+
+<file path=ppt/theme/theme2.xml><?xml version="1.0" encoding="utf-8"?>
 <a:theme xmlns:a="http://schemas.openxmlformats.org/drawingml/2006/main" xmlns:r="http://schemas.openxmlformats.org/officeDocument/2006/relationships" name="Office-téma">
   <a:themeElements>
     <a:clrScheme name="Office">
@@ -20202,283 +20488,4 @@
     </a:fmtScheme>
   </a:themeElements>
 </a:theme>
-</file>
-
-<file path=ppt/theme/theme2.xml><?xml version="1.0" encoding="utf-8"?>
-<a:theme xmlns:a="http://schemas.openxmlformats.org/drawingml/2006/main" xmlns:r="http://schemas.openxmlformats.org/officeDocument/2006/relationships" name="Bázis">
-  <a:themeElements>
-    <a:clrScheme name="Basis">
-      <a:dk1>
-        <a:srgbClr val="000000"/>
-      </a:dk1>
-      <a:lt1>
-        <a:srgbClr val="FFFFFF"/>
-      </a:lt1>
-      <a:dk2>
-        <a:srgbClr val="565349"/>
-      </a:dk2>
-      <a:lt2>
-        <a:srgbClr val="DDDDDD"/>
-      </a:lt2>
-      <a:accent1>
-        <a:srgbClr val="A6B727"/>
-      </a:accent1>
-      <a:accent2>
-        <a:srgbClr val="DF5327"/>
-      </a:accent2>
-      <a:accent3>
-        <a:srgbClr val="FE9E00"/>
-      </a:accent3>
-      <a:accent4>
-        <a:srgbClr val="418AB3"/>
-      </a:accent4>
-      <a:accent5>
-        <a:srgbClr val="D7D447"/>
-      </a:accent5>
-      <a:accent6>
-        <a:srgbClr val="818183"/>
-      </a:accent6>
-      <a:hlink>
-        <a:srgbClr val="F59E00"/>
-      </a:hlink>
-      <a:folHlink>
-        <a:srgbClr val="B2B2B2"/>
-      </a:folHlink>
-    </a:clrScheme>
-    <a:fontScheme name="Office">
-      <a:majorFont>
-        <a:latin typeface="Arial"/>
-        <a:ea typeface=""/>
-        <a:cs typeface=""/>
-        <a:font script="Jpan" typeface="ＭＳ Ｐゴシック"/>
-        <a:font script="Hang" typeface="맑은 고딕"/>
-        <a:font script="Hans" typeface="宋体"/>
-        <a:font script="Hant" typeface="新細明體"/>
-        <a:font script="Arab" typeface="Times New Roman"/>
-        <a:font script="Hebr" typeface="Times New Roman"/>
-        <a:font script="Thai" typeface="Angsana New"/>
-        <a:font script="Ethi" typeface="Nyala"/>
-        <a:font script="Beng" typeface="Vrinda"/>
-        <a:font script="Gujr" typeface="Shruti"/>
-        <a:font script="Khmr" typeface="MoolBoran"/>
-        <a:font script="Knda" typeface="Tunga"/>
-        <a:font script="Guru" typeface="Raavi"/>
-        <a:font script="Cans" typeface="Euphemia"/>
-        <a:font script="Cher" typeface="Plantagenet Cherokee"/>
-        <a:font script="Yiii" typeface="Microsoft Yi Baiti"/>
-        <a:font script="Tibt" typeface="Microsoft Himalaya"/>
-        <a:font script="Thaa" typeface="MV Boli"/>
-        <a:font script="Deva" typeface="Mangal"/>
-        <a:font script="Telu" typeface="Gautami"/>
-        <a:font script="Taml" typeface="Latha"/>
-        <a:font script="Syrc" typeface="Estrangelo Edessa"/>
-        <a:font script="Orya" typeface="Kalinga"/>
-        <a:font script="Mlym" typeface="Kartika"/>
-        <a:font script="Laoo" typeface="DokChampa"/>
-        <a:font script="Sinh" typeface="Iskoola Pota"/>
-        <a:font script="Mong" typeface="Mongolian Baiti"/>
-        <a:font script="Viet" typeface="Times New Roman"/>
-        <a:font script="Uigh" typeface="Microsoft Uighur"/>
-        <a:font script="Geor" typeface="Sylfaen"/>
-      </a:majorFont>
-      <a:minorFont>
-        <a:latin typeface="Arial"/>
-        <a:ea typeface=""/>
-        <a:cs typeface=""/>
-        <a:font script="Jpan" typeface="ＭＳ Ｐゴシック"/>
-        <a:font script="Hang" typeface="맑은 고딕"/>
-        <a:font script="Hans" typeface="宋体"/>
-        <a:font script="Hant" typeface="新細明體"/>
-        <a:font script="Arab" typeface="Arial"/>
-        <a:font script="Hebr" typeface="Arial"/>
-        <a:font script="Thai" typeface="Cordia New"/>
-        <a:font script="Ethi" typeface="Nyala"/>
-        <a:font script="Beng" typeface="Vrinda"/>
-        <a:font script="Gujr" typeface="Shruti"/>
-        <a:font script="Khmr" typeface="DaunPenh"/>
-        <a:font script="Knda" typeface="Tunga"/>
-        <a:font script="Guru" typeface="Raavi"/>
-        <a:font script="Cans" typeface="Euphemia"/>
-        <a:font script="Cher" typeface="Plantagenet Cherokee"/>
-        <a:font script="Yiii" typeface="Microsoft Yi Baiti"/>
-        <a:font script="Tibt" typeface="Microsoft Himalaya"/>
-        <a:font script="Thaa" typeface="MV Boli"/>
-        <a:font script="Deva" typeface="Mangal"/>
-        <a:font script="Telu" typeface="Gautami"/>
-        <a:font script="Taml" typeface="Latha"/>
-        <a:font script="Syrc" typeface="Estrangelo Edessa"/>
-        <a:font script="Orya" typeface="Kalinga"/>
-        <a:font script="Mlym" typeface="Kartika"/>
-        <a:font script="Laoo" typeface="DokChampa"/>
-        <a:font script="Sinh" typeface="Iskoola Pota"/>
-        <a:font script="Mong" typeface="Mongolian Baiti"/>
-        <a:font script="Viet" typeface="Arial"/>
-        <a:font script="Uigh" typeface="Microsoft Uighur"/>
-        <a:font script="Geor" typeface="Sylfaen"/>
-      </a:minorFont>
-    </a:fontScheme>
-    <a:fmtScheme name="Office">
-      <a:fillStyleLst>
-        <a:solidFill>
-          <a:schemeClr val="phClr"/>
-        </a:solidFill>
-        <a:gradFill rotWithShape="1">
-          <a:gsLst>
-            <a:gs pos="0">
-              <a:schemeClr val="phClr">
-                <a:tint val="50000"/>
-                <a:satMod val="300000"/>
-              </a:schemeClr>
-            </a:gs>
-            <a:gs pos="35000">
-              <a:schemeClr val="phClr">
-                <a:tint val="37000"/>
-                <a:satMod val="300000"/>
-              </a:schemeClr>
-            </a:gs>
-            <a:gs pos="100000">
-              <a:schemeClr val="phClr">
-                <a:tint val="15000"/>
-                <a:satMod val="350000"/>
-              </a:schemeClr>
-            </a:gs>
-          </a:gsLst>
-          <a:lin ang="16200000" scaled="1"/>
-        </a:gradFill>
-        <a:gradFill rotWithShape="1">
-          <a:gsLst>
-            <a:gs pos="0">
-              <a:schemeClr val="phClr">
-                <a:tint val="100000"/>
-                <a:shade val="100000"/>
-                <a:satMod val="130000"/>
-              </a:schemeClr>
-            </a:gs>
-            <a:gs pos="100000">
-              <a:schemeClr val="phClr">
-                <a:tint val="50000"/>
-                <a:shade val="100000"/>
-                <a:satMod val="350000"/>
-              </a:schemeClr>
-            </a:gs>
-          </a:gsLst>
-          <a:lin ang="16200000" scaled="0"/>
-        </a:gradFill>
-      </a:fillStyleLst>
-      <a:lnStyleLst>
-        <a:ln w="9525" cap="flat" cmpd="sng" algn="ctr">
-          <a:solidFill>
-            <a:schemeClr val="phClr">
-              <a:shade val="95000"/>
-              <a:satMod val="105000"/>
-            </a:schemeClr>
-          </a:solidFill>
-          <a:prstDash val="solid"/>
-        </a:ln>
-        <a:ln w="25400" cap="flat" cmpd="sng" algn="ctr">
-          <a:solidFill>
-            <a:schemeClr val="phClr"/>
-          </a:solidFill>
-          <a:prstDash val="solid"/>
-        </a:ln>
-        <a:ln w="38100" cap="flat" cmpd="sng" algn="ctr">
-          <a:solidFill>
-            <a:schemeClr val="phClr"/>
-          </a:solidFill>
-          <a:prstDash val="solid"/>
-        </a:ln>
-      </a:lnStyleLst>
-      <a:effectStyleLst>
-        <a:effectStyle>
-          <a:effectLst>
-            <a:outerShdw blurRad="40000" dist="20000" dir="5400000" rotWithShape="0">
-              <a:srgbClr val="000000">
-                <a:alpha val="38000"/>
-              </a:srgbClr>
-            </a:outerShdw>
-          </a:effectLst>
-        </a:effectStyle>
-        <a:effectStyle>
-          <a:effectLst>
-            <a:outerShdw blurRad="40000" dist="23000" dir="5400000" rotWithShape="0">
-              <a:srgbClr val="000000">
-                <a:alpha val="35000"/>
-              </a:srgbClr>
-            </a:outerShdw>
-          </a:effectLst>
-        </a:effectStyle>
-        <a:effectStyle>
-          <a:effectLst>
-            <a:outerShdw blurRad="40000" dist="23000" dir="5400000" rotWithShape="0">
-              <a:srgbClr val="000000">
-                <a:alpha val="35000"/>
-              </a:srgbClr>
-            </a:outerShdw>
-          </a:effectLst>
-          <a:scene3d>
-            <a:camera prst="orthographicFront">
-              <a:rot lat="0" lon="0" rev="0"/>
-            </a:camera>
-            <a:lightRig rig="threePt" dir="t">
-              <a:rot lat="0" lon="0" rev="1200000"/>
-            </a:lightRig>
-          </a:scene3d>
-          <a:sp3d>
-            <a:bevelT w="63500" h="25400"/>
-          </a:sp3d>
-        </a:effectStyle>
-      </a:effectStyleLst>
-      <a:bgFillStyleLst>
-        <a:solidFill>
-          <a:schemeClr val="phClr"/>
-        </a:solidFill>
-        <a:gradFill rotWithShape="1">
-          <a:gsLst>
-            <a:gs pos="0">
-              <a:schemeClr val="phClr">
-                <a:tint val="40000"/>
-                <a:satMod val="350000"/>
-              </a:schemeClr>
-            </a:gs>
-            <a:gs pos="40000">
-              <a:schemeClr val="phClr">
-                <a:tint val="45000"/>
-                <a:shade val="99000"/>
-                <a:satMod val="350000"/>
-              </a:schemeClr>
-            </a:gs>
-            <a:gs pos="100000">
-              <a:schemeClr val="phClr">
-                <a:shade val="20000"/>
-                <a:satMod val="255000"/>
-              </a:schemeClr>
-            </a:gs>
-          </a:gsLst>
-          <a:path path="circle">
-            <a:fillToRect l="50000" t="-80000" r="50000" b="180000"/>
-          </a:path>
-        </a:gradFill>
-        <a:gradFill rotWithShape="1">
-          <a:gsLst>
-            <a:gs pos="0">
-              <a:schemeClr val="phClr">
-                <a:tint val="80000"/>
-                <a:satMod val="300000"/>
-              </a:schemeClr>
-            </a:gs>
-            <a:gs pos="100000">
-              <a:schemeClr val="phClr">
-                <a:shade val="30000"/>
-                <a:satMod val="200000"/>
-              </a:schemeClr>
-            </a:gs>
-          </a:gsLst>
-          <a:path path="circle">
-            <a:fillToRect l="50000" t="50000" r="50000" b="50000"/>
-          </a:path>
-        </a:gradFill>
-      </a:bgFillStyleLst>
-    </a:fmtScheme>
-  </a:themeElements>
-</a:theme>
 </file>
--- a/docs/b2s_presentation.pptx
+++ b/docs/b2s_presentation.pptx
@@ -261,7 +261,7 @@
   </p:defaultTextStyle>
   <p:extLst>
     <p:ext uri="GoogleSlidesCustomDataVersion2">
-      <go:slidesCustomData xmlns:go="http://customooxmlschemas.google.com/" r:id="rId19" roundtripDataSignature="AMtx7mjaWeIUnKBAWJ9a8oS3Ni24aV+OIA=="/>
+      <go:slidesCustomData xmlns:go="http://customooxmlschemas.google.com/" r:id="rId19" roundtripDataSignature="AMtx7mgn+RBcz7h/M30k5N7ytcwTI7boqA=="/>
     </p:ext>
   </p:extLst>
 </p:presentation>
@@ -1865,7 +1865,7 @@
   <p:cSld>
     <p:spTree>
       <p:nvGrpSpPr>
-        <p:cNvPr id="178" name="Shape 178"/>
+        <p:cNvPr id="179" name="Shape 179"/>
         <p:cNvGrpSpPr/>
         <p:nvPr/>
       </p:nvGrpSpPr>
@@ -1879,7 +1879,7 @@
       </p:grpSpPr>
       <p:sp>
         <p:nvSpPr>
-          <p:cNvPr id="179" name="Google Shape;179;p9:notes"/>
+          <p:cNvPr id="180" name="Google Shape;180;p9:notes"/>
           <p:cNvSpPr txBox="1"/>
           <p:nvPr>
             <p:ph idx="1" type="body"/>
@@ -1926,7 +1926,7 @@
       </p:sp>
       <p:sp>
         <p:nvSpPr>
-          <p:cNvPr id="180" name="Google Shape;180;p9:notes"/>
+          <p:cNvPr id="181" name="Google Shape;181;p9:notes"/>
           <p:cNvSpPr/>
           <p:nvPr>
             <p:ph idx="2" type="sldImg"/>
@@ -2992,7 +2992,7 @@
   <p:cSld>
     <p:spTree>
       <p:nvGrpSpPr>
-        <p:cNvPr id="160" name="Shape 160"/>
+        <p:cNvPr id="161" name="Shape 161"/>
         <p:cNvGrpSpPr/>
         <p:nvPr/>
       </p:nvGrpSpPr>
@@ -3006,7 +3006,7 @@
       </p:grpSpPr>
       <p:sp>
         <p:nvSpPr>
-          <p:cNvPr id="161" name="Google Shape;161;g2af09e1b51a_0_25:notes"/>
+          <p:cNvPr id="162" name="Google Shape;162;g2af09e1b51a_0_25:notes"/>
           <p:cNvSpPr/>
           <p:nvPr>
             <p:ph idx="2" type="sldImg"/>
@@ -3051,7 +3051,7 @@
       </p:sp>
       <p:sp>
         <p:nvSpPr>
-          <p:cNvPr id="162" name="Google Shape;162;g2af09e1b51a_0_25:notes"/>
+          <p:cNvPr id="163" name="Google Shape;163;g2af09e1b51a_0_25:notes"/>
           <p:cNvSpPr txBox="1"/>
           <p:nvPr>
             <p:ph idx="1" type="body"/>
@@ -3098,7 +3098,7 @@
       </p:sp>
       <p:sp>
         <p:nvSpPr>
-          <p:cNvPr id="163" name="Google Shape;163;g2af09e1b51a_0_25:notes"/>
+          <p:cNvPr id="164" name="Google Shape;164;g2af09e1b51a_0_25:notes"/>
           <p:cNvSpPr txBox="1"/>
           <p:nvPr>
             <p:ph idx="12" type="sldNum"/>
@@ -3161,7 +3161,7 @@
   <p:cSld>
     <p:spTree>
       <p:nvGrpSpPr>
-        <p:cNvPr id="170" name="Shape 170"/>
+        <p:cNvPr id="171" name="Shape 171"/>
         <p:cNvGrpSpPr/>
         <p:nvPr/>
       </p:nvGrpSpPr>
@@ -3175,7 +3175,7 @@
       </p:grpSpPr>
       <p:sp>
         <p:nvSpPr>
-          <p:cNvPr id="171" name="Google Shape;171;p8:notes"/>
+          <p:cNvPr id="172" name="Google Shape;172;p8:notes"/>
           <p:cNvSpPr txBox="1"/>
           <p:nvPr>
             <p:ph idx="1" type="body"/>
@@ -3222,7 +3222,7 @@
       </p:sp>
       <p:sp>
         <p:nvSpPr>
-          <p:cNvPr id="172" name="Google Shape;172;p8:notes"/>
+          <p:cNvPr id="173" name="Google Shape;173;p8:notes"/>
           <p:cNvSpPr/>
           <p:nvPr>
             <p:ph idx="2" type="sldImg"/>
@@ -16516,7 +16516,7 @@
   <p:cSld>
     <p:spTree>
       <p:nvGrpSpPr>
-        <p:cNvPr id="181" name="Shape 181"/>
+        <p:cNvPr id="182" name="Shape 182"/>
         <p:cNvGrpSpPr/>
         <p:nvPr/>
       </p:nvGrpSpPr>
@@ -16530,7 +16530,7 @@
       </p:grpSpPr>
       <p:sp>
         <p:nvSpPr>
-          <p:cNvPr id="182" name="Google Shape;182;p9"/>
+          <p:cNvPr id="183" name="Google Shape;183;p9"/>
           <p:cNvSpPr txBox="1"/>
           <p:nvPr>
             <p:ph type="title"/>
@@ -16582,7 +16582,7 @@
       </p:sp>
       <p:sp>
         <p:nvSpPr>
-          <p:cNvPr id="183" name="Google Shape;183;p9"/>
+          <p:cNvPr id="184" name="Google Shape;184;p9"/>
           <p:cNvSpPr txBox="1"/>
           <p:nvPr>
             <p:ph idx="12" type="sldNum"/>
@@ -16638,7 +16638,7 @@
       </p:sp>
       <p:sp>
         <p:nvSpPr>
-          <p:cNvPr id="184" name="Google Shape;184;p9"/>
+          <p:cNvPr id="185" name="Google Shape;185;p9"/>
           <p:cNvSpPr txBox="1"/>
           <p:nvPr>
             <p:ph idx="11" type="ftr"/>
@@ -19031,7 +19031,7 @@
         </p:nvSpPr>
         <p:spPr>
           <a:xfrm>
-            <a:off x="1143000" y="2057400"/>
+            <a:off x="1143000" y="2934275"/>
             <a:ext cx="9980100" cy="4023300"/>
           </a:xfrm>
           <a:prstGeom prst="rect">
@@ -19202,6 +19202,34 @@
           </a:p>
         </p:txBody>
       </p:sp>
+      <p:pic>
+        <p:nvPicPr>
+          <p:cNvPr id="160" name="Google Shape;160;g2b1050887a7_0_18"/>
+          <p:cNvPicPr preferRelativeResize="0"/>
+          <p:nvPr/>
+        </p:nvPicPr>
+        <p:blipFill>
+          <a:blip r:embed="rId4">
+            <a:alphaModFix/>
+          </a:blip>
+          <a:stretch>
+            <a:fillRect/>
+          </a:stretch>
+        </p:blipFill>
+        <p:spPr>
+          <a:xfrm>
+            <a:off x="5892697" y="405997"/>
+            <a:ext cx="5877550" cy="2370575"/>
+          </a:xfrm>
+          <a:prstGeom prst="rect">
+            <a:avLst/>
+          </a:prstGeom>
+          <a:noFill/>
+          <a:ln>
+            <a:noFill/>
+          </a:ln>
+        </p:spPr>
+      </p:pic>
     </p:spTree>
   </p:cSld>
   <p:clrMapOvr>
@@ -19215,7 +19243,7 @@
   <p:cSld>
     <p:spTree>
       <p:nvGrpSpPr>
-        <p:cNvPr id="164" name="Shape 164"/>
+        <p:cNvPr id="165" name="Shape 165"/>
         <p:cNvGrpSpPr/>
         <p:nvPr/>
       </p:nvGrpSpPr>
@@ -19229,7 +19257,7 @@
       </p:grpSpPr>
       <p:sp>
         <p:nvSpPr>
-          <p:cNvPr id="165" name="Google Shape;165;g2af09e1b51a_0_25"/>
+          <p:cNvPr id="166" name="Google Shape;166;g2af09e1b51a_0_25"/>
           <p:cNvSpPr txBox="1"/>
           <p:nvPr>
             <p:ph type="title"/>
@@ -19277,7 +19305,7 @@
       </p:sp>
       <p:sp>
         <p:nvSpPr>
-          <p:cNvPr id="166" name="Google Shape;166;g2af09e1b51a_0_25"/>
+          <p:cNvPr id="167" name="Google Shape;167;g2af09e1b51a_0_25"/>
           <p:cNvSpPr txBox="1"/>
           <p:nvPr>
             <p:ph idx="12" type="sldNum"/>
@@ -19333,7 +19361,7 @@
       </p:sp>
       <p:sp>
         <p:nvSpPr>
-          <p:cNvPr id="167" name="Google Shape;167;g2af09e1b51a_0_25"/>
+          <p:cNvPr id="168" name="Google Shape;168;g2af09e1b51a_0_25"/>
           <p:cNvSpPr txBox="1"/>
           <p:nvPr>
             <p:ph idx="1" type="body"/>
@@ -19440,7 +19468,7 @@
       </p:sp>
       <p:pic>
         <p:nvPicPr>
-          <p:cNvPr id="168" name="Google Shape;168;g2af09e1b51a_0_25"/>
+          <p:cNvPr id="169" name="Google Shape;169;g2af09e1b51a_0_25"/>
           <p:cNvPicPr preferRelativeResize="0"/>
           <p:nvPr/>
         </p:nvPicPr>
@@ -19467,7 +19495,7 @@
       </p:pic>
       <p:sp>
         <p:nvSpPr>
-          <p:cNvPr id="169" name="Google Shape;169;g2af09e1b51a_0_25"/>
+          <p:cNvPr id="170" name="Google Shape;170;g2af09e1b51a_0_25"/>
           <p:cNvSpPr txBox="1"/>
           <p:nvPr>
             <p:ph idx="11" type="ftr"/>
@@ -19526,7 +19554,7 @@
   <p:cSld>
     <p:spTree>
       <p:nvGrpSpPr>
-        <p:cNvPr id="173" name="Shape 173"/>
+        <p:cNvPr id="174" name="Shape 174"/>
         <p:cNvGrpSpPr/>
         <p:nvPr/>
       </p:nvGrpSpPr>
@@ -19540,7 +19568,7 @@
       </p:grpSpPr>
       <p:sp>
         <p:nvSpPr>
-          <p:cNvPr id="174" name="Google Shape;174;p8"/>
+          <p:cNvPr id="175" name="Google Shape;175;p8"/>
           <p:cNvSpPr txBox="1"/>
           <p:nvPr>
             <p:ph type="title"/>
@@ -19592,7 +19620,7 @@
       </p:sp>
       <p:sp>
         <p:nvSpPr>
-          <p:cNvPr id="175" name="Google Shape;175;p8"/>
+          <p:cNvPr id="176" name="Google Shape;176;p8"/>
           <p:cNvSpPr txBox="1"/>
           <p:nvPr>
             <p:ph idx="1" type="body"/>
@@ -19826,7 +19854,7 @@
       </p:sp>
       <p:sp>
         <p:nvSpPr>
-          <p:cNvPr id="176" name="Google Shape;176;p8"/>
+          <p:cNvPr id="177" name="Google Shape;177;p8"/>
           <p:cNvSpPr txBox="1"/>
           <p:nvPr>
             <p:ph idx="12" type="sldNum"/>
@@ -19878,7 +19906,7 @@
       </p:sp>
       <p:sp>
         <p:nvSpPr>
-          <p:cNvPr id="177" name="Google Shape;177;p8"/>
+          <p:cNvPr id="178" name="Google Shape;178;p8"/>
           <p:cNvSpPr txBox="1"/>
           <p:nvPr>
             <p:ph idx="11" type="ftr"/>

--- a/docs/b2s_presentation.pptx
+++ b/docs/b2s_presentation.pptx
@@ -19121,7 +19121,7 @@
             </a:pPr>
             <a:r>
               <a:rPr lang="hu-HU"/>
-              <a:t>Tested the authors ‘reconstruction_minimal.py’ script, but same result, just noise</a:t>
+              <a:t>Tested the authors’ ‘reconstruction_minimal.py’ script, but same result, just noise</a:t>
             </a:r>
             <a:endParaRPr/>
           </a:p>
@@ -19961,6 +19961,285 @@
 </file>
 
 <file path=ppt/theme/theme1.xml><?xml version="1.0" encoding="utf-8"?>
+<a:theme xmlns:a="http://schemas.openxmlformats.org/drawingml/2006/main" xmlns:r="http://schemas.openxmlformats.org/officeDocument/2006/relationships" name="Office-téma">
+  <a:themeElements>
+    <a:clrScheme name="Office">
+      <a:dk1>
+        <a:srgbClr val="000000"/>
+      </a:dk1>
+      <a:lt1>
+        <a:srgbClr val="FFFFFF"/>
+      </a:lt1>
+      <a:dk2>
+        <a:srgbClr val="44546A"/>
+      </a:dk2>
+      <a:lt2>
+        <a:srgbClr val="E7E6E6"/>
+      </a:lt2>
+      <a:accent1>
+        <a:srgbClr val="5B9BD5"/>
+      </a:accent1>
+      <a:accent2>
+        <a:srgbClr val="ED7D31"/>
+      </a:accent2>
+      <a:accent3>
+        <a:srgbClr val="A5A5A5"/>
+      </a:accent3>
+      <a:accent4>
+        <a:srgbClr val="FFC000"/>
+      </a:accent4>
+      <a:accent5>
+        <a:srgbClr val="4472C4"/>
+      </a:accent5>
+      <a:accent6>
+        <a:srgbClr val="70AD47"/>
+      </a:accent6>
+      <a:hlink>
+        <a:srgbClr val="0563C1"/>
+      </a:hlink>
+      <a:folHlink>
+        <a:srgbClr val="954F72"/>
+      </a:folHlink>
+    </a:clrScheme>
+    <a:fontScheme name="Office">
+      <a:majorFont>
+        <a:latin typeface="Arial"/>
+        <a:ea typeface=""/>
+        <a:cs typeface=""/>
+        <a:font script="Jpan" typeface="ＭＳ Ｐゴシック"/>
+        <a:font script="Hang" typeface="맑은 고딕"/>
+        <a:font script="Hans" typeface="宋体"/>
+        <a:font script="Hant" typeface="新細明體"/>
+        <a:font script="Arab" typeface="Times New Roman"/>
+        <a:font script="Hebr" typeface="Times New Roman"/>
+        <a:font script="Thai" typeface="Angsana New"/>
+        <a:font script="Ethi" typeface="Nyala"/>
+        <a:font script="Beng" typeface="Vrinda"/>
+        <a:font script="Gujr" typeface="Shruti"/>
+        <a:font script="Khmr" typeface="MoolBoran"/>
+        <a:font script="Knda" typeface="Tunga"/>
+        <a:font script="Guru" typeface="Raavi"/>
+        <a:font script="Cans" typeface="Euphemia"/>
+        <a:font script="Cher" typeface="Plantagenet Cherokee"/>
+        <a:font script="Yiii" typeface="Microsoft Yi Baiti"/>
+        <a:font script="Tibt" typeface="Microsoft Himalaya"/>
+        <a:font script="Thaa" typeface="MV Boli"/>
+        <a:font script="Deva" typeface="Mangal"/>
+        <a:font script="Telu" typeface="Gautami"/>
+        <a:font script="Taml" typeface="Latha"/>
+        <a:font script="Syrc" typeface="Estrangelo Edessa"/>
+        <a:font script="Orya" typeface="Kalinga"/>
+        <a:font script="Mlym" typeface="Kartika"/>
+        <a:font script="Laoo" typeface="DokChampa"/>
+        <a:font script="Sinh" typeface="Iskoola Pota"/>
+        <a:font script="Mong" typeface="Mongolian Baiti"/>
+        <a:font script="Viet" typeface="Times New Roman"/>
+        <a:font script="Uigh" typeface="Microsoft Uighur"/>
+        <a:font script="Geor" typeface="Sylfaen"/>
+      </a:majorFont>
+      <a:minorFont>
+        <a:latin typeface="Arial"/>
+        <a:ea typeface=""/>
+        <a:cs typeface=""/>
+        <a:font script="Jpan" typeface="ＭＳ Ｐゴシック"/>
+        <a:font script="Hang" typeface="맑은 고딕"/>
+        <a:font script="Hans" typeface="宋体"/>
+        <a:font script="Hant" typeface="新細明體"/>
+        <a:font script="Arab" typeface="Arial"/>
+        <a:font script="Hebr" typeface="Arial"/>
+        <a:font script="Thai" typeface="Cordia New"/>
+        <a:font script="Ethi" typeface="Nyala"/>
+        <a:font script="Beng" typeface="Vrinda"/>
+        <a:font script="Gujr" typeface="Shruti"/>
+        <a:font script="Khmr" typeface="DaunPenh"/>
+        <a:font script="Knda" typeface="Tunga"/>
+        <a:font script="Guru" typeface="Raavi"/>
+        <a:font script="Cans" typeface="Euphemia"/>
+        <a:font script="Cher" typeface="Plantagenet Cherokee"/>
+        <a:font script="Yiii" typeface="Microsoft Yi Baiti"/>
+        <a:font script="Tibt" typeface="Microsoft Himalaya"/>
+        <a:font script="Thaa" typeface="MV Boli"/>
+        <a:font script="Deva" typeface="Mangal"/>
+        <a:font script="Telu" typeface="Gautami"/>
+        <a:font script="Taml" typeface="Latha"/>
+        <a:font script="Syrc" typeface="Estrangelo Edessa"/>
+        <a:font script="Orya" typeface="Kalinga"/>
+        <a:font script="Mlym" typeface="Kartika"/>
+        <a:font script="Laoo" typeface="DokChampa"/>
+        <a:font script="Sinh" typeface="Iskoola Pota"/>
+        <a:font script="Mong" typeface="Mongolian Baiti"/>
+        <a:font script="Viet" typeface="Arial"/>
+        <a:font script="Uigh" typeface="Microsoft Uighur"/>
+        <a:font script="Geor" typeface="Sylfaen"/>
+      </a:minorFont>
+    </a:fontScheme>
+    <a:fmtScheme name="Office">
+      <a:fillStyleLst>
+        <a:solidFill>
+          <a:schemeClr val="phClr"/>
+        </a:solidFill>
+        <a:gradFill rotWithShape="1">
+          <a:gsLst>
+            <a:gs pos="0">
+              <a:schemeClr val="phClr">
+                <a:tint val="50000"/>
+                <a:satMod val="300000"/>
+              </a:schemeClr>
+            </a:gs>
+            <a:gs pos="35000">
+              <a:schemeClr val="phClr">
+                <a:tint val="37000"/>
+                <a:satMod val="300000"/>
+              </a:schemeClr>
+            </a:gs>
+            <a:gs pos="100000">
+              <a:schemeClr val="phClr">
+                <a:tint val="15000"/>
+                <a:satMod val="350000"/>
+              </a:schemeClr>
+            </a:gs>
+          </a:gsLst>
+          <a:lin ang="16200000" scaled="1"/>
+        </a:gradFill>
+        <a:gradFill rotWithShape="1">
+          <a:gsLst>
+            <a:gs pos="0">
+              <a:schemeClr val="phClr">
+                <a:tint val="100000"/>
+                <a:shade val="100000"/>
+                <a:satMod val="130000"/>
+              </a:schemeClr>
+            </a:gs>
+            <a:gs pos="100000">
+              <a:schemeClr val="phClr">
+                <a:tint val="50000"/>
+                <a:shade val="100000"/>
+                <a:satMod val="350000"/>
+              </a:schemeClr>
+            </a:gs>
+          </a:gsLst>
+          <a:lin ang="16200000" scaled="0"/>
+        </a:gradFill>
+      </a:fillStyleLst>
+      <a:lnStyleLst>
+        <a:ln w="9525" cap="flat" cmpd="sng" algn="ctr">
+          <a:solidFill>
+            <a:schemeClr val="phClr">
+              <a:shade val="95000"/>
+              <a:satMod val="105000"/>
+            </a:schemeClr>
+          </a:solidFill>
+          <a:prstDash val="solid"/>
+        </a:ln>
+        <a:ln w="25400" cap="flat" cmpd="sng" algn="ctr">
+          <a:solidFill>
+            <a:schemeClr val="phClr"/>
+          </a:solidFill>
+          <a:prstDash val="solid"/>
+        </a:ln>
+        <a:ln w="38100" cap="flat" cmpd="sng" algn="ctr">
+          <a:solidFill>
+            <a:schemeClr val="phClr"/>
+          </a:solidFill>
+          <a:prstDash val="solid"/>
+        </a:ln>
+      </a:lnStyleLst>
+      <a:effectStyleLst>
+        <a:effectStyle>
+          <a:effectLst>
+            <a:outerShdw blurRad="40000" dist="20000" dir="5400000" rotWithShape="0">
+              <a:srgbClr val="000000">
+                <a:alpha val="38000"/>
+              </a:srgbClr>
+            </a:outerShdw>
+          </a:effectLst>
+        </a:effectStyle>
+        <a:effectStyle>
+          <a:effectLst>
+            <a:outerShdw blurRad="40000" dist="23000" dir="5400000" rotWithShape="0">
+              <a:srgbClr val="000000">
+                <a:alpha val="35000"/>
+              </a:srgbClr>
+            </a:outerShdw>
+          </a:effectLst>
+        </a:effectStyle>
+        <a:effectStyle>
+          <a:effectLst>
+            <a:outerShdw blurRad="40000" dist="23000" dir="5400000" rotWithShape="0">
+              <a:srgbClr val="000000">
+                <a:alpha val="35000"/>
+              </a:srgbClr>
+            </a:outerShdw>
+          </a:effectLst>
+          <a:scene3d>
+            <a:camera prst="orthographicFront">
+              <a:rot lat="0" lon="0" rev="0"/>
+            </a:camera>
+            <a:lightRig rig="threePt" dir="t">
+              <a:rot lat="0" lon="0" rev="1200000"/>
+            </a:lightRig>
+          </a:scene3d>
+          <a:sp3d>
+            <a:bevelT w="63500" h="25400"/>
+          </a:sp3d>
+        </a:effectStyle>
+      </a:effectStyleLst>
+      <a:bgFillStyleLst>
+        <a:solidFill>
+          <a:schemeClr val="phClr"/>
+        </a:solidFill>
+        <a:gradFill rotWithShape="1">
+          <a:gsLst>
+            <a:gs pos="0">
+              <a:schemeClr val="phClr">
+                <a:tint val="40000"/>
+                <a:satMod val="350000"/>
+              </a:schemeClr>
+            </a:gs>
+            <a:gs pos="40000">
+              <a:schemeClr val="phClr">
+                <a:tint val="45000"/>
+                <a:shade val="99000"/>
+                <a:satMod val="350000"/>
+              </a:schemeClr>
+            </a:gs>
+            <a:gs pos="100000">
+              <a:schemeClr val="phClr">
+                <a:shade val="20000"/>
+                <a:satMod val="255000"/>
+              </a:schemeClr>
+            </a:gs>
+          </a:gsLst>
+          <a:path path="circle">
+            <a:fillToRect l="50000" t="-80000" r="50000" b="180000"/>
+          </a:path>
+        </a:gradFill>
+        <a:gradFill rotWithShape="1">
+          <a:gsLst>
+            <a:gs pos="0">
+              <a:schemeClr val="phClr">
+                <a:tint val="80000"/>
+                <a:satMod val="300000"/>
+              </a:schemeClr>
+            </a:gs>
+            <a:gs pos="100000">
+              <a:schemeClr val="phClr">
+                <a:shade val="30000"/>
+                <a:satMod val="200000"/>
+              </a:schemeClr>
+            </a:gs>
+          </a:gsLst>
+          <a:path path="circle">
+            <a:fillToRect l="50000" t="50000" r="50000" b="50000"/>
+          </a:path>
+        </a:gradFill>
+      </a:bgFillStyleLst>
+    </a:fmtScheme>
+  </a:themeElements>
+</a:theme>
+</file>
+
+<file path=ppt/theme/theme2.xml><?xml version="1.0" encoding="utf-8"?>
 <a:theme xmlns:a="http://schemas.openxmlformats.org/drawingml/2006/main" xmlns:r="http://schemas.openxmlformats.org/officeDocument/2006/relationships" name="Bázis">
   <a:themeElements>
     <a:clrScheme name="Basis">
@@ -20237,283 +20516,4 @@
     </a:fmtScheme>
   </a:themeElements>
 </a:theme>
-</file>
-
-<file path=ppt/theme/theme2.xml><?xml version="1.0" encoding="utf-8"?>
-<a:theme xmlns:a="http://schemas.openxmlformats.org/drawingml/2006/main" xmlns:r="http://schemas.openxmlformats.org/officeDocument/2006/relationships" name="Office-téma">
-  <a:themeElements>
-    <a:clrScheme name="Office">
-      <a:dk1>
-        <a:srgbClr val="000000"/>
-      </a:dk1>
-      <a:lt1>
-        <a:srgbClr val="FFFFFF"/>
-      </a:lt1>
-      <a:dk2>
-        <a:srgbClr val="44546A"/>
-      </a:dk2>
-      <a:lt2>
-        <a:srgbClr val="E7E6E6"/>
-      </a:lt2>
-      <a:accent1>
-        <a:srgbClr val="5B9BD5"/>
-      </a:accent1>
-      <a:accent2>
-        <a:srgbClr val="ED7D31"/>
-      </a:accent2>
-      <a:accent3>
-        <a:srgbClr val="A5A5A5"/>
-      </a:accent3>
-      <a:accent4>
-        <a:srgbClr val="FFC000"/>
-      </a:accent4>
-      <a:accent5>
-        <a:srgbClr val="4472C4"/>
-      </a:accent5>
-      <a:accent6>
-        <a:srgbClr val="70AD47"/>
-      </a:accent6>
-      <a:hlink>
-        <a:srgbClr val="0563C1"/>
-      </a:hlink>
-      <a:folHlink>
-        <a:srgbClr val="954F72"/>
-      </a:folHlink>
-    </a:clrScheme>
-    <a:fontScheme name="Office">
-      <a:majorFont>
-        <a:latin typeface="Arial"/>
-        <a:ea typeface=""/>
-        <a:cs typeface=""/>
-        <a:font script="Jpan" typeface="ＭＳ Ｐゴシック"/>
-        <a:font script="Hang" typeface="맑은 고딕"/>
-        <a:font script="Hans" typeface="宋体"/>
-        <a:font script="Hant" typeface="新細明體"/>
-        <a:font script="Arab" typeface="Times New Roman"/>
-        <a:font script="Hebr" typeface="Times New Roman"/>
-        <a:font script="Thai" typeface="Angsana New"/>
-        <a:font script="Ethi" typeface="Nyala"/>
-        <a:font script="Beng" typeface="Vrinda"/>
-        <a:font script="Gujr" typeface="Shruti"/>
-        <a:font script="Khmr" typeface="MoolBoran"/>
-        <a:font script="Knda" typeface="Tunga"/>
-        <a:font script="Guru" typeface="Raavi"/>
-        <a:font script="Cans" typeface="Euphemia"/>
-        <a:font script="Cher" typeface="Plantagenet Cherokee"/>
-        <a:font script="Yiii" typeface="Microsoft Yi Baiti"/>
-        <a:font script="Tibt" typeface="Microsoft Himalaya"/>
-        <a:font script="Thaa" typeface="MV Boli"/>
-        <a:font script="Deva" typeface="Mangal"/>
-        <a:font script="Telu" typeface="Gautami"/>
-        <a:font script="Taml" typeface="Latha"/>
-        <a:font script="Syrc" typeface="Estrangelo Edessa"/>
-        <a:font script="Orya" typeface="Kalinga"/>
-        <a:font script="Mlym" typeface="Kartika"/>
-        <a:font script="Laoo" typeface="DokChampa"/>
-        <a:font script="Sinh" typeface="Iskoola Pota"/>
-        <a:font script="Mong" typeface="Mongolian Baiti"/>
-        <a:font script="Viet" typeface="Times New Roman"/>
-        <a:font script="Uigh" typeface="Microsoft Uighur"/>
-        <a:font script="Geor" typeface="Sylfaen"/>
-      </a:majorFont>
-      <a:minorFont>
-        <a:latin typeface="Arial"/>
-        <a:ea typeface=""/>
-        <a:cs typeface=""/>
-        <a:font script="Jpan" typeface="ＭＳ Ｐゴシック"/>
-        <a:font script="Hang" typeface="맑은 고딕"/>
-        <a:font script="Hans" typeface="宋体"/>
-        <a:font script="Hant" typeface="新細明體"/>
-        <a:font script="Arab" typeface="Arial"/>
-        <a:font script="Hebr" typeface="Arial"/>
-        <a:font script="Thai" typeface="Cordia New"/>
-        <a:font script="Ethi" typeface="Nyala"/>
-        <a:font script="Beng" typeface="Vrinda"/>
-        <a:font script="Gujr" typeface="Shruti"/>
-        <a:font script="Khmr" typeface="DaunPenh"/>
-        <a:font script="Knda" typeface="Tunga"/>
-        <a:font script="Guru" typeface="Raavi"/>
-        <a:font script="Cans" typeface="Euphemia"/>
-        <a:font script="Cher" typeface="Plantagenet Cherokee"/>
-        <a:font script="Yiii" typeface="Microsoft Yi Baiti"/>
-        <a:font script="Tibt" typeface="Microsoft Himalaya"/>
-        <a:font script="Thaa" typeface="MV Boli"/>
-        <a:font script="Deva" typeface="Mangal"/>
-        <a:font script="Telu" typeface="Gautami"/>
-        <a:font script="Taml" typeface="Latha"/>
-        <a:font script="Syrc" typeface="Estrangelo Edessa"/>
-        <a:font script="Orya" typeface="Kalinga"/>
-        <a:font script="Mlym" typeface="Kartika"/>
-        <a:font script="Laoo" typeface="DokChampa"/>
-        <a:font script="Sinh" typeface="Iskoola Pota"/>
-        <a:font script="Mong" typeface="Mongolian Baiti"/>
-        <a:font script="Viet" typeface="Arial"/>
-        <a:font script="Uigh" typeface="Microsoft Uighur"/>
-        <a:font script="Geor" typeface="Sylfaen"/>
-      </a:minorFont>
-    </a:fontScheme>
-    <a:fmtScheme name="Office">
-      <a:fillStyleLst>
-        <a:solidFill>
-          <a:schemeClr val="phClr"/>
-        </a:solidFill>
-        <a:gradFill rotWithShape="1">
-          <a:gsLst>
-            <a:gs pos="0">
-              <a:schemeClr val="phClr">
-                <a:tint val="50000"/>
-                <a:satMod val="300000"/>
-              </a:schemeClr>
-            </a:gs>
-            <a:gs pos="35000">
-              <a:schemeClr val="phClr">
-                <a:tint val="37000"/>
-                <a:satMod val="300000"/>
-              </a:schemeClr>
-            </a:gs>
-            <a:gs pos="100000">
-              <a:schemeClr val="phClr">
-                <a:tint val="15000"/>
-                <a:satMod val="350000"/>
-              </a:schemeClr>
-            </a:gs>
-          </a:gsLst>
-          <a:lin ang="16200000" scaled="1"/>
-        </a:gradFill>
-        <a:gradFill rotWithShape="1">
-          <a:gsLst>
-            <a:gs pos="0">
-              <a:schemeClr val="phClr">
-                <a:tint val="100000"/>
-                <a:shade val="100000"/>
-                <a:satMod val="130000"/>
-              </a:schemeClr>
-            </a:gs>
-            <a:gs pos="100000">
-              <a:schemeClr val="phClr">
-                <a:tint val="50000"/>
-                <a:shade val="100000"/>
-                <a:satMod val="350000"/>
-              </a:schemeClr>
-            </a:gs>
-          </a:gsLst>
-          <a:lin ang="16200000" scaled="0"/>
-        </a:gradFill>
-      </a:fillStyleLst>
-      <a:lnStyleLst>
-        <a:ln w="9525" cap="flat" cmpd="sng" algn="ctr">
-          <a:solidFill>
-            <a:schemeClr val="phClr">
-              <a:shade val="95000"/>
-              <a:satMod val="105000"/>
-            </a:schemeClr>
-          </a:solidFill>
-          <a:prstDash val="solid"/>
-        </a:ln>
-        <a:ln w="25400" cap="flat" cmpd="sng" algn="ctr">
-          <a:solidFill>
-            <a:schemeClr val="phClr"/>
-          </a:solidFill>
-          <a:prstDash val="solid"/>
-        </a:ln>
-        <a:ln w="38100" cap="flat" cmpd="sng" algn="ctr">
-          <a:solidFill>
-            <a:schemeClr val="phClr"/>
-          </a:solidFill>
-          <a:prstDash val="solid"/>
-        </a:ln>
-      </a:lnStyleLst>
-      <a:effectStyleLst>
-        <a:effectStyle>
-          <a:effectLst>
-            <a:outerShdw blurRad="40000" dist="20000" dir="5400000" rotWithShape="0">
-              <a:srgbClr val="000000">
-                <a:alpha val="38000"/>
-              </a:srgbClr>
-            </a:outerShdw>
-          </a:effectLst>
-        </a:effectStyle>
-        <a:effectStyle>
-          <a:effectLst>
-            <a:outerShdw blurRad="40000" dist="23000" dir="5400000" rotWithShape="0">
-              <a:srgbClr val="000000">
-                <a:alpha val="35000"/>
-              </a:srgbClr>
-            </a:outerShdw>
-          </a:effectLst>
-        </a:effectStyle>
-        <a:effectStyle>
-          <a:effectLst>
-            <a:outerShdw blurRad="40000" dist="23000" dir="5400000" rotWithShape="0">
-              <a:srgbClr val="000000">
-                <a:alpha val="35000"/>
-              </a:srgbClr>
-            </a:outerShdw>
-          </a:effectLst>
-          <a:scene3d>
-            <a:camera prst="orthographicFront">
-              <a:rot lat="0" lon="0" rev="0"/>
-            </a:camera>
-            <a:lightRig rig="threePt" dir="t">
-              <a:rot lat="0" lon="0" rev="1200000"/>
-            </a:lightRig>
-          </a:scene3d>
-          <a:sp3d>
-            <a:bevelT w="63500" h="25400"/>
-          </a:sp3d>
-        </a:effectStyle>
-      </a:effectStyleLst>
-      <a:bgFillStyleLst>
-        <a:solidFill>
-          <a:schemeClr val="phClr"/>
-        </a:solidFill>
-        <a:gradFill rotWithShape="1">
-          <a:gsLst>
-            <a:gs pos="0">
-              <a:schemeClr val="phClr">
-                <a:tint val="40000"/>
-                <a:satMod val="350000"/>
-              </a:schemeClr>
-            </a:gs>
-            <a:gs pos="40000">
-              <a:schemeClr val="phClr">
-                <a:tint val="45000"/>
-                <a:shade val="99000"/>
-                <a:satMod val="350000"/>
-              </a:schemeClr>
-            </a:gs>
-            <a:gs pos="100000">
-              <a:schemeClr val="phClr">
-                <a:shade val="20000"/>
-                <a:satMod val="255000"/>
-              </a:schemeClr>
-            </a:gs>
-          </a:gsLst>
-          <a:path path="circle">
-            <a:fillToRect l="50000" t="-80000" r="50000" b="180000"/>
-          </a:path>
-        </a:gradFill>
-        <a:gradFill rotWithShape="1">
-          <a:gsLst>
-            <a:gs pos="0">
-              <a:schemeClr val="phClr">
-                <a:tint val="80000"/>
-                <a:satMod val="300000"/>
-              </a:schemeClr>
-            </a:gs>
-            <a:gs pos="100000">
-              <a:schemeClr val="phClr">
-                <a:shade val="30000"/>
-                <a:satMod val="200000"/>
-              </a:schemeClr>
-            </a:gs>
-          </a:gsLst>
-          <a:path path="circle">
-            <a:fillToRect l="50000" t="50000" r="50000" b="50000"/>
-          </a:path>
-        </a:gradFill>
-      </a:bgFillStyleLst>
-    </a:fmtScheme>
-  </a:themeElements>
-</a:theme>
 </file>